--- a/Lecture_13-Building-Systems-From-Other-Systems/Building-Systems-From-Other-Systems.pptx
+++ b/Lecture_13-Building-Systems-From-Other-Systems/Building-Systems-From-Other-Systems.pptx
@@ -8525,7 +8525,7 @@
             </p:nvSpPr>
             <p:spPr>
               <a:xfrm>
-                <a:off x="1721211" y="4492965"/>
+                <a:off x="1578141" y="4174313"/>
                 <a:ext cx="5104411" cy="586699"/>
               </a:xfrm>
               <a:prstGeom prst="rect">
@@ -9016,7 +9016,7 @@
             </p:nvSpPr>
             <p:spPr>
               <a:xfrm>
-                <a:off x="1721211" y="4492965"/>
+                <a:off x="1578141" y="4174313"/>
                 <a:ext cx="5104411" cy="586699"/>
               </a:xfrm>
               <a:prstGeom prst="rect">

--- a/Lecture_13-Building-Systems-From-Other-Systems/Building-Systems-From-Other-Systems.pptx
+++ b/Lecture_13-Building-Systems-From-Other-Systems/Building-Systems-From-Other-Systems.pptx
@@ -8135,8 +8135,8 @@
             </p:nvSpPr>
             <p:spPr>
               <a:xfrm>
-                <a:off x="1822257" y="3245234"/>
-                <a:ext cx="4917693" cy="582660"/>
+                <a:off x="1530469" y="3309064"/>
+                <a:ext cx="1604285" cy="582660"/>
               </a:xfrm>
               <a:prstGeom prst="rect">
                 <a:avLst/>
@@ -8149,10 +8149,6 @@
               </a:bodyPr>
               <a:lstStyle/>
               <a:p>
-                <a:r>
-                  <a:rPr lang="en-US" sz="2000" dirty="0"/>
-                  <a:t>What is the transfer function </a:t>
-                </a:r>
                 <a14:m>
                   <m:oMath xmlns:m="http://schemas.openxmlformats.org/officeDocument/2006/math">
                     <m:r>
@@ -8272,8 +8268,8 @@
             </p:nvSpPr>
             <p:spPr>
               <a:xfrm>
-                <a:off x="1822257" y="3245234"/>
-                <a:ext cx="4917693" cy="582660"/>
+                <a:off x="1530469" y="3309064"/>
+                <a:ext cx="1604285" cy="582660"/>
               </a:xfrm>
               <a:prstGeom prst="rect">
                 <a:avLst/>
@@ -8281,7 +8277,7 @@
               <a:blipFill>
                 <a:blip r:embed="rId4"/>
                 <a:stretch>
-                  <a:fillRect l="-1289" b="-4255"/>
+                  <a:fillRect r="-3150" b="-6383"/>
                 </a:stretch>
               </a:blipFill>
             </p:spPr>
@@ -9945,8 +9941,8 @@
         </p:nvCxnSpPr>
         <p:spPr>
           <a:xfrm rot="10800000">
-            <a:off x="4373339" y="2602118"/>
-            <a:ext cx="435497" cy="1"/>
+            <a:off x="4373340" y="2602120"/>
+            <a:ext cx="198660" cy="2719"/>
           </a:xfrm>
           <a:prstGeom prst="bentConnector3">
             <a:avLst>
@@ -10196,6 +10192,324 @@
           </p:sp>
         </mc:Fallback>
       </mc:AlternateContent>
+      <p:grpSp>
+        <p:nvGrpSpPr>
+          <p:cNvPr id="51" name="Group 50">
+            <a:extLst>
+              <a:ext uri="{FF2B5EF4-FFF2-40B4-BE49-F238E27FC236}">
+                <a16:creationId xmlns:a16="http://schemas.microsoft.com/office/drawing/2014/main" id="{B65BA03F-5AF1-9A40-A44D-865A78F17C9C}"/>
+              </a:ext>
+            </a:extLst>
+          </p:cNvPr>
+          <p:cNvGrpSpPr/>
+          <p:nvPr/>
+        </p:nvGrpSpPr>
+        <p:grpSpPr>
+          <a:xfrm>
+            <a:off x="4784144" y="1694117"/>
+            <a:ext cx="396240" cy="91440"/>
+            <a:chOff x="4874079" y="5263243"/>
+            <a:chExt cx="396240" cy="91440"/>
+          </a:xfrm>
+        </p:grpSpPr>
+        <p:sp>
+          <p:nvSpPr>
+            <p:cNvPr id="52" name="Oval 51">
+              <a:extLst>
+                <a:ext uri="{FF2B5EF4-FFF2-40B4-BE49-F238E27FC236}">
+                  <a16:creationId xmlns:a16="http://schemas.microsoft.com/office/drawing/2014/main" id="{CE2EF914-0BA0-5C41-9828-F832AD034B22}"/>
+                </a:ext>
+              </a:extLst>
+            </p:cNvPr>
+            <p:cNvSpPr>
+              <a:spLocks noChangeAspect="1"/>
+            </p:cNvSpPr>
+            <p:nvPr/>
+          </p:nvSpPr>
+          <p:spPr>
+            <a:xfrm>
+              <a:off x="4874079" y="5263243"/>
+              <a:ext cx="91440" cy="91440"/>
+            </a:xfrm>
+            <a:prstGeom prst="ellipse">
+              <a:avLst/>
+            </a:prstGeom>
+          </p:spPr>
+          <p:style>
+            <a:lnRef idx="1">
+              <a:schemeClr val="accent1"/>
+            </a:lnRef>
+            <a:fillRef idx="3">
+              <a:schemeClr val="accent1"/>
+            </a:fillRef>
+            <a:effectRef idx="2">
+              <a:schemeClr val="accent1"/>
+            </a:effectRef>
+            <a:fontRef idx="minor">
+              <a:schemeClr val="lt1"/>
+            </a:fontRef>
+          </p:style>
+          <p:txBody>
+            <a:bodyPr rtlCol="0" anchor="ctr"/>
+            <a:lstStyle/>
+            <a:p>
+              <a:pPr algn="ctr"/>
+              <a:endParaRPr lang="en-US"/>
+            </a:p>
+          </p:txBody>
+        </p:sp>
+        <p:sp>
+          <p:nvSpPr>
+            <p:cNvPr id="53" name="Oval 52">
+              <a:extLst>
+                <a:ext uri="{FF2B5EF4-FFF2-40B4-BE49-F238E27FC236}">
+                  <a16:creationId xmlns:a16="http://schemas.microsoft.com/office/drawing/2014/main" id="{4E78F834-0354-2046-8D3C-41AC2B94391B}"/>
+                </a:ext>
+              </a:extLst>
+            </p:cNvPr>
+            <p:cNvSpPr>
+              <a:spLocks noChangeAspect="1"/>
+            </p:cNvSpPr>
+            <p:nvPr/>
+          </p:nvSpPr>
+          <p:spPr>
+            <a:xfrm>
+              <a:off x="5026479" y="5263243"/>
+              <a:ext cx="91440" cy="91440"/>
+            </a:xfrm>
+            <a:prstGeom prst="ellipse">
+              <a:avLst/>
+            </a:prstGeom>
+          </p:spPr>
+          <p:style>
+            <a:lnRef idx="1">
+              <a:schemeClr val="accent1"/>
+            </a:lnRef>
+            <a:fillRef idx="3">
+              <a:schemeClr val="accent1"/>
+            </a:fillRef>
+            <a:effectRef idx="2">
+              <a:schemeClr val="accent1"/>
+            </a:effectRef>
+            <a:fontRef idx="minor">
+              <a:schemeClr val="lt1"/>
+            </a:fontRef>
+          </p:style>
+          <p:txBody>
+            <a:bodyPr rtlCol="0" anchor="ctr"/>
+            <a:lstStyle/>
+            <a:p>
+              <a:pPr algn="ctr"/>
+              <a:endParaRPr lang="en-US"/>
+            </a:p>
+          </p:txBody>
+        </p:sp>
+        <p:sp>
+          <p:nvSpPr>
+            <p:cNvPr id="54" name="Oval 53">
+              <a:extLst>
+                <a:ext uri="{FF2B5EF4-FFF2-40B4-BE49-F238E27FC236}">
+                  <a16:creationId xmlns:a16="http://schemas.microsoft.com/office/drawing/2014/main" id="{5CAEB420-7249-7144-AFC5-2DE84B98D2AA}"/>
+                </a:ext>
+              </a:extLst>
+            </p:cNvPr>
+            <p:cNvSpPr>
+              <a:spLocks noChangeAspect="1"/>
+            </p:cNvSpPr>
+            <p:nvPr/>
+          </p:nvSpPr>
+          <p:spPr>
+            <a:xfrm>
+              <a:off x="5178879" y="5263243"/>
+              <a:ext cx="91440" cy="91440"/>
+            </a:xfrm>
+            <a:prstGeom prst="ellipse">
+              <a:avLst/>
+            </a:prstGeom>
+          </p:spPr>
+          <p:style>
+            <a:lnRef idx="1">
+              <a:schemeClr val="accent1"/>
+            </a:lnRef>
+            <a:fillRef idx="3">
+              <a:schemeClr val="accent1"/>
+            </a:fillRef>
+            <a:effectRef idx="2">
+              <a:schemeClr val="accent1"/>
+            </a:effectRef>
+            <a:fontRef idx="minor">
+              <a:schemeClr val="lt1"/>
+            </a:fontRef>
+          </p:style>
+          <p:txBody>
+            <a:bodyPr rtlCol="0" anchor="ctr"/>
+            <a:lstStyle/>
+            <a:p>
+              <a:pPr algn="ctr"/>
+              <a:endParaRPr lang="en-US"/>
+            </a:p>
+          </p:txBody>
+        </p:sp>
+      </p:grpSp>
+      <p:grpSp>
+        <p:nvGrpSpPr>
+          <p:cNvPr id="55" name="Group 54">
+            <a:extLst>
+              <a:ext uri="{FF2B5EF4-FFF2-40B4-BE49-F238E27FC236}">
+                <a16:creationId xmlns:a16="http://schemas.microsoft.com/office/drawing/2014/main" id="{B080D776-46C3-6D4C-A08F-F02BFC26BB03}"/>
+              </a:ext>
+            </a:extLst>
+          </p:cNvPr>
+          <p:cNvGrpSpPr/>
+          <p:nvPr/>
+        </p:nvGrpSpPr>
+        <p:grpSpPr>
+          <a:xfrm>
+            <a:off x="4757027" y="2556400"/>
+            <a:ext cx="396240" cy="91440"/>
+            <a:chOff x="4874079" y="5263243"/>
+            <a:chExt cx="396240" cy="91440"/>
+          </a:xfrm>
+        </p:grpSpPr>
+        <p:sp>
+          <p:nvSpPr>
+            <p:cNvPr id="56" name="Oval 55">
+              <a:extLst>
+                <a:ext uri="{FF2B5EF4-FFF2-40B4-BE49-F238E27FC236}">
+                  <a16:creationId xmlns:a16="http://schemas.microsoft.com/office/drawing/2014/main" id="{38A53630-C254-8C4C-BB35-50AC702E7CB8}"/>
+                </a:ext>
+              </a:extLst>
+            </p:cNvPr>
+            <p:cNvSpPr>
+              <a:spLocks noChangeAspect="1"/>
+            </p:cNvSpPr>
+            <p:nvPr/>
+          </p:nvSpPr>
+          <p:spPr>
+            <a:xfrm>
+              <a:off x="4874079" y="5263243"/>
+              <a:ext cx="91440" cy="91440"/>
+            </a:xfrm>
+            <a:prstGeom prst="ellipse">
+              <a:avLst/>
+            </a:prstGeom>
+          </p:spPr>
+          <p:style>
+            <a:lnRef idx="1">
+              <a:schemeClr val="accent1"/>
+            </a:lnRef>
+            <a:fillRef idx="3">
+              <a:schemeClr val="accent1"/>
+            </a:fillRef>
+            <a:effectRef idx="2">
+              <a:schemeClr val="accent1"/>
+            </a:effectRef>
+            <a:fontRef idx="minor">
+              <a:schemeClr val="lt1"/>
+            </a:fontRef>
+          </p:style>
+          <p:txBody>
+            <a:bodyPr rtlCol="0" anchor="ctr"/>
+            <a:lstStyle/>
+            <a:p>
+              <a:pPr algn="ctr"/>
+              <a:endParaRPr lang="en-US"/>
+            </a:p>
+          </p:txBody>
+        </p:sp>
+        <p:sp>
+          <p:nvSpPr>
+            <p:cNvPr id="57" name="Oval 56">
+              <a:extLst>
+                <a:ext uri="{FF2B5EF4-FFF2-40B4-BE49-F238E27FC236}">
+                  <a16:creationId xmlns:a16="http://schemas.microsoft.com/office/drawing/2014/main" id="{E08BB2B9-F62E-EB4F-9932-6C6D585F19AF}"/>
+                </a:ext>
+              </a:extLst>
+            </p:cNvPr>
+            <p:cNvSpPr>
+              <a:spLocks noChangeAspect="1"/>
+            </p:cNvSpPr>
+            <p:nvPr/>
+          </p:nvSpPr>
+          <p:spPr>
+            <a:xfrm>
+              <a:off x="5026479" y="5263243"/>
+              <a:ext cx="91440" cy="91440"/>
+            </a:xfrm>
+            <a:prstGeom prst="ellipse">
+              <a:avLst/>
+            </a:prstGeom>
+          </p:spPr>
+          <p:style>
+            <a:lnRef idx="1">
+              <a:schemeClr val="accent1"/>
+            </a:lnRef>
+            <a:fillRef idx="3">
+              <a:schemeClr val="accent1"/>
+            </a:fillRef>
+            <a:effectRef idx="2">
+              <a:schemeClr val="accent1"/>
+            </a:effectRef>
+            <a:fontRef idx="minor">
+              <a:schemeClr val="lt1"/>
+            </a:fontRef>
+          </p:style>
+          <p:txBody>
+            <a:bodyPr rtlCol="0" anchor="ctr"/>
+            <a:lstStyle/>
+            <a:p>
+              <a:pPr algn="ctr"/>
+              <a:endParaRPr lang="en-US"/>
+            </a:p>
+          </p:txBody>
+        </p:sp>
+        <p:sp>
+          <p:nvSpPr>
+            <p:cNvPr id="58" name="Oval 57">
+              <a:extLst>
+                <a:ext uri="{FF2B5EF4-FFF2-40B4-BE49-F238E27FC236}">
+                  <a16:creationId xmlns:a16="http://schemas.microsoft.com/office/drawing/2014/main" id="{40479146-03B7-3846-A02E-99B5F1C41457}"/>
+                </a:ext>
+              </a:extLst>
+            </p:cNvPr>
+            <p:cNvSpPr>
+              <a:spLocks noChangeAspect="1"/>
+            </p:cNvSpPr>
+            <p:nvPr/>
+          </p:nvSpPr>
+          <p:spPr>
+            <a:xfrm>
+              <a:off x="5178879" y="5263243"/>
+              <a:ext cx="91440" cy="91440"/>
+            </a:xfrm>
+            <a:prstGeom prst="ellipse">
+              <a:avLst/>
+            </a:prstGeom>
+          </p:spPr>
+          <p:style>
+            <a:lnRef idx="1">
+              <a:schemeClr val="accent1"/>
+            </a:lnRef>
+            <a:fillRef idx="3">
+              <a:schemeClr val="accent1"/>
+            </a:fillRef>
+            <a:effectRef idx="2">
+              <a:schemeClr val="accent1"/>
+            </a:effectRef>
+            <a:fontRef idx="minor">
+              <a:schemeClr val="lt1"/>
+            </a:fontRef>
+          </p:style>
+          <p:txBody>
+            <a:bodyPr rtlCol="0" anchor="ctr"/>
+            <a:lstStyle/>
+            <a:p>
+              <a:pPr algn="ctr"/>
+              <a:endParaRPr lang="en-US"/>
+            </a:p>
+          </p:txBody>
+        </p:sp>
+      </p:grpSp>
     </p:spTree>
     <p:extLst>
       <p:ext uri="{BB962C8B-B14F-4D97-AF65-F5344CB8AC3E}">
@@ -10206,84 +10520,6 @@
   <p:clrMapOvr>
     <a:masterClrMapping/>
   </p:clrMapOvr>
-  <p:timing>
-    <p:tnLst>
-      <p:par>
-        <p:cTn id="1" dur="indefinite" restart="never" nodeType="tmRoot">
-          <p:childTnLst>
-            <p:seq concurrent="1" nextAc="seek">
-              <p:cTn id="2" dur="indefinite" nodeType="mainSeq">
-                <p:childTnLst>
-                  <p:par>
-                    <p:cTn id="3" fill="hold">
-                      <p:stCondLst>
-                        <p:cond delay="indefinite"/>
-                      </p:stCondLst>
-                      <p:childTnLst>
-                        <p:par>
-                          <p:cTn id="4" fill="hold">
-                            <p:stCondLst>
-                              <p:cond delay="0"/>
-                            </p:stCondLst>
-                            <p:childTnLst>
-                              <p:par>
-                                <p:cTn id="5" presetID="1" presetClass="entr" presetSubtype="0" fill="hold" grpId="0" nodeType="clickEffect">
-                                  <p:stCondLst>
-                                    <p:cond delay="0"/>
-                                  </p:stCondLst>
-                                  <p:childTnLst>
-                                    <p:set>
-                                      <p:cBhvr>
-                                        <p:cTn id="6" dur="1" fill="hold">
-                                          <p:stCondLst>
-                                            <p:cond delay="0"/>
-                                          </p:stCondLst>
-                                        </p:cTn>
-                                        <p:tgtEl>
-                                          <p:spTgt spid="41"/>
-                                        </p:tgtEl>
-                                        <p:attrNameLst>
-                                          <p:attrName>style.visibility</p:attrName>
-                                        </p:attrNameLst>
-                                      </p:cBhvr>
-                                      <p:to>
-                                        <p:strVal val="visible"/>
-                                      </p:to>
-                                    </p:set>
-                                  </p:childTnLst>
-                                </p:cTn>
-                              </p:par>
-                            </p:childTnLst>
-                          </p:cTn>
-                        </p:par>
-                      </p:childTnLst>
-                    </p:cTn>
-                  </p:par>
-                </p:childTnLst>
-              </p:cTn>
-              <p:prevCondLst>
-                <p:cond evt="onPrev" delay="0">
-                  <p:tgtEl>
-                    <p:sldTgt/>
-                  </p:tgtEl>
-                </p:cond>
-              </p:prevCondLst>
-              <p:nextCondLst>
-                <p:cond evt="onNext" delay="0">
-                  <p:tgtEl>
-                    <p:sldTgt/>
-                  </p:tgtEl>
-                </p:cond>
-              </p:nextCondLst>
-            </p:seq>
-          </p:childTnLst>
-        </p:cTn>
-      </p:par>
-    </p:tnLst>
-    <p:bldLst>
-      <p:bldP spid="41" grpId="0"/>
-    </p:bldLst>
-  </p:timing>
 </p:sld>
 </file>
 
@@ -12335,8 +12571,8 @@
         </p:nvCxnSpPr>
         <p:spPr>
           <a:xfrm rot="10800000">
-            <a:off x="4373339" y="2602118"/>
-            <a:ext cx="435497" cy="1"/>
+            <a:off x="4373340" y="2602119"/>
+            <a:ext cx="286768" cy="1530"/>
           </a:xfrm>
           <a:prstGeom prst="bentConnector3">
             <a:avLst>
@@ -12698,6 +12934,324 @@
           </p:sp>
         </mc:Fallback>
       </mc:AlternateContent>
+      <p:grpSp>
+        <p:nvGrpSpPr>
+          <p:cNvPr id="5" name="Group 4">
+            <a:extLst>
+              <a:ext uri="{FF2B5EF4-FFF2-40B4-BE49-F238E27FC236}">
+                <a16:creationId xmlns:a16="http://schemas.microsoft.com/office/drawing/2014/main" id="{BB1156A9-A2EA-A643-B487-83219D7F4D8E}"/>
+              </a:ext>
+            </a:extLst>
+          </p:cNvPr>
+          <p:cNvGrpSpPr/>
+          <p:nvPr/>
+        </p:nvGrpSpPr>
+        <p:grpSpPr>
+          <a:xfrm>
+            <a:off x="4784144" y="1694117"/>
+            <a:ext cx="396240" cy="91440"/>
+            <a:chOff x="4874079" y="5263243"/>
+            <a:chExt cx="396240" cy="91440"/>
+          </a:xfrm>
+        </p:grpSpPr>
+        <p:sp>
+          <p:nvSpPr>
+            <p:cNvPr id="4" name="Oval 3">
+              <a:extLst>
+                <a:ext uri="{FF2B5EF4-FFF2-40B4-BE49-F238E27FC236}">
+                  <a16:creationId xmlns:a16="http://schemas.microsoft.com/office/drawing/2014/main" id="{DB65E2FB-9283-5C47-8631-8892D4845031}"/>
+                </a:ext>
+              </a:extLst>
+            </p:cNvPr>
+            <p:cNvSpPr>
+              <a:spLocks noChangeAspect="1"/>
+            </p:cNvSpPr>
+            <p:nvPr/>
+          </p:nvSpPr>
+          <p:spPr>
+            <a:xfrm>
+              <a:off x="4874079" y="5263243"/>
+              <a:ext cx="91440" cy="91440"/>
+            </a:xfrm>
+            <a:prstGeom prst="ellipse">
+              <a:avLst/>
+            </a:prstGeom>
+          </p:spPr>
+          <p:style>
+            <a:lnRef idx="1">
+              <a:schemeClr val="accent1"/>
+            </a:lnRef>
+            <a:fillRef idx="3">
+              <a:schemeClr val="accent1"/>
+            </a:fillRef>
+            <a:effectRef idx="2">
+              <a:schemeClr val="accent1"/>
+            </a:effectRef>
+            <a:fontRef idx="minor">
+              <a:schemeClr val="lt1"/>
+            </a:fontRef>
+          </p:style>
+          <p:txBody>
+            <a:bodyPr rtlCol="0" anchor="ctr"/>
+            <a:lstStyle/>
+            <a:p>
+              <a:pPr algn="ctr"/>
+              <a:endParaRPr lang="en-US"/>
+            </a:p>
+          </p:txBody>
+        </p:sp>
+        <p:sp>
+          <p:nvSpPr>
+            <p:cNvPr id="29" name="Oval 28">
+              <a:extLst>
+                <a:ext uri="{FF2B5EF4-FFF2-40B4-BE49-F238E27FC236}">
+                  <a16:creationId xmlns:a16="http://schemas.microsoft.com/office/drawing/2014/main" id="{87020654-1CD8-884C-A329-205B0F156C7D}"/>
+                </a:ext>
+              </a:extLst>
+            </p:cNvPr>
+            <p:cNvSpPr>
+              <a:spLocks noChangeAspect="1"/>
+            </p:cNvSpPr>
+            <p:nvPr/>
+          </p:nvSpPr>
+          <p:spPr>
+            <a:xfrm>
+              <a:off x="5026479" y="5263243"/>
+              <a:ext cx="91440" cy="91440"/>
+            </a:xfrm>
+            <a:prstGeom prst="ellipse">
+              <a:avLst/>
+            </a:prstGeom>
+          </p:spPr>
+          <p:style>
+            <a:lnRef idx="1">
+              <a:schemeClr val="accent1"/>
+            </a:lnRef>
+            <a:fillRef idx="3">
+              <a:schemeClr val="accent1"/>
+            </a:fillRef>
+            <a:effectRef idx="2">
+              <a:schemeClr val="accent1"/>
+            </a:effectRef>
+            <a:fontRef idx="minor">
+              <a:schemeClr val="lt1"/>
+            </a:fontRef>
+          </p:style>
+          <p:txBody>
+            <a:bodyPr rtlCol="0" anchor="ctr"/>
+            <a:lstStyle/>
+            <a:p>
+              <a:pPr algn="ctr"/>
+              <a:endParaRPr lang="en-US"/>
+            </a:p>
+          </p:txBody>
+        </p:sp>
+        <p:sp>
+          <p:nvSpPr>
+            <p:cNvPr id="34" name="Oval 33">
+              <a:extLst>
+                <a:ext uri="{FF2B5EF4-FFF2-40B4-BE49-F238E27FC236}">
+                  <a16:creationId xmlns:a16="http://schemas.microsoft.com/office/drawing/2014/main" id="{AF1A33B6-44B3-D349-AC44-C0A6D2976CE3}"/>
+                </a:ext>
+              </a:extLst>
+            </p:cNvPr>
+            <p:cNvSpPr>
+              <a:spLocks noChangeAspect="1"/>
+            </p:cNvSpPr>
+            <p:nvPr/>
+          </p:nvSpPr>
+          <p:spPr>
+            <a:xfrm>
+              <a:off x="5178879" y="5263243"/>
+              <a:ext cx="91440" cy="91440"/>
+            </a:xfrm>
+            <a:prstGeom prst="ellipse">
+              <a:avLst/>
+            </a:prstGeom>
+          </p:spPr>
+          <p:style>
+            <a:lnRef idx="1">
+              <a:schemeClr val="accent1"/>
+            </a:lnRef>
+            <a:fillRef idx="3">
+              <a:schemeClr val="accent1"/>
+            </a:fillRef>
+            <a:effectRef idx="2">
+              <a:schemeClr val="accent1"/>
+            </a:effectRef>
+            <a:fontRef idx="minor">
+              <a:schemeClr val="lt1"/>
+            </a:fontRef>
+          </p:style>
+          <p:txBody>
+            <a:bodyPr rtlCol="0" anchor="ctr"/>
+            <a:lstStyle/>
+            <a:p>
+              <a:pPr algn="ctr"/>
+              <a:endParaRPr lang="en-US"/>
+            </a:p>
+          </p:txBody>
+        </p:sp>
+      </p:grpSp>
+      <p:grpSp>
+        <p:nvGrpSpPr>
+          <p:cNvPr id="35" name="Group 34">
+            <a:extLst>
+              <a:ext uri="{FF2B5EF4-FFF2-40B4-BE49-F238E27FC236}">
+                <a16:creationId xmlns:a16="http://schemas.microsoft.com/office/drawing/2014/main" id="{376626F2-90BD-F64F-87FF-114FA7C41504}"/>
+              </a:ext>
+            </a:extLst>
+          </p:cNvPr>
+          <p:cNvGrpSpPr/>
+          <p:nvPr/>
+        </p:nvGrpSpPr>
+        <p:grpSpPr>
+          <a:xfrm>
+            <a:off x="4788085" y="2550224"/>
+            <a:ext cx="396240" cy="91440"/>
+            <a:chOff x="4874079" y="5263243"/>
+            <a:chExt cx="396240" cy="91440"/>
+          </a:xfrm>
+        </p:grpSpPr>
+        <p:sp>
+          <p:nvSpPr>
+            <p:cNvPr id="39" name="Oval 38">
+              <a:extLst>
+                <a:ext uri="{FF2B5EF4-FFF2-40B4-BE49-F238E27FC236}">
+                  <a16:creationId xmlns:a16="http://schemas.microsoft.com/office/drawing/2014/main" id="{6EE0E17A-50C2-F54D-A5BE-345199841233}"/>
+                </a:ext>
+              </a:extLst>
+            </p:cNvPr>
+            <p:cNvSpPr>
+              <a:spLocks noChangeAspect="1"/>
+            </p:cNvSpPr>
+            <p:nvPr/>
+          </p:nvSpPr>
+          <p:spPr>
+            <a:xfrm>
+              <a:off x="4874079" y="5263243"/>
+              <a:ext cx="91440" cy="91440"/>
+            </a:xfrm>
+            <a:prstGeom prst="ellipse">
+              <a:avLst/>
+            </a:prstGeom>
+          </p:spPr>
+          <p:style>
+            <a:lnRef idx="1">
+              <a:schemeClr val="accent1"/>
+            </a:lnRef>
+            <a:fillRef idx="3">
+              <a:schemeClr val="accent1"/>
+            </a:fillRef>
+            <a:effectRef idx="2">
+              <a:schemeClr val="accent1"/>
+            </a:effectRef>
+            <a:fontRef idx="minor">
+              <a:schemeClr val="lt1"/>
+            </a:fontRef>
+          </p:style>
+          <p:txBody>
+            <a:bodyPr rtlCol="0" anchor="ctr"/>
+            <a:lstStyle/>
+            <a:p>
+              <a:pPr algn="ctr"/>
+              <a:endParaRPr lang="en-US"/>
+            </a:p>
+          </p:txBody>
+        </p:sp>
+        <p:sp>
+          <p:nvSpPr>
+            <p:cNvPr id="44" name="Oval 43">
+              <a:extLst>
+                <a:ext uri="{FF2B5EF4-FFF2-40B4-BE49-F238E27FC236}">
+                  <a16:creationId xmlns:a16="http://schemas.microsoft.com/office/drawing/2014/main" id="{CDB8BCF9-D562-E949-91EA-B97483566E24}"/>
+                </a:ext>
+              </a:extLst>
+            </p:cNvPr>
+            <p:cNvSpPr>
+              <a:spLocks noChangeAspect="1"/>
+            </p:cNvSpPr>
+            <p:nvPr/>
+          </p:nvSpPr>
+          <p:spPr>
+            <a:xfrm>
+              <a:off x="5026479" y="5263243"/>
+              <a:ext cx="91440" cy="91440"/>
+            </a:xfrm>
+            <a:prstGeom prst="ellipse">
+              <a:avLst/>
+            </a:prstGeom>
+          </p:spPr>
+          <p:style>
+            <a:lnRef idx="1">
+              <a:schemeClr val="accent1"/>
+            </a:lnRef>
+            <a:fillRef idx="3">
+              <a:schemeClr val="accent1"/>
+            </a:fillRef>
+            <a:effectRef idx="2">
+              <a:schemeClr val="accent1"/>
+            </a:effectRef>
+            <a:fontRef idx="minor">
+              <a:schemeClr val="lt1"/>
+            </a:fontRef>
+          </p:style>
+          <p:txBody>
+            <a:bodyPr rtlCol="0" anchor="ctr"/>
+            <a:lstStyle/>
+            <a:p>
+              <a:pPr algn="ctr"/>
+              <a:endParaRPr lang="en-US"/>
+            </a:p>
+          </p:txBody>
+        </p:sp>
+        <p:sp>
+          <p:nvSpPr>
+            <p:cNvPr id="45" name="Oval 44">
+              <a:extLst>
+                <a:ext uri="{FF2B5EF4-FFF2-40B4-BE49-F238E27FC236}">
+                  <a16:creationId xmlns:a16="http://schemas.microsoft.com/office/drawing/2014/main" id="{1F727D86-56DE-F94B-B15C-B59B44D6CFF3}"/>
+                </a:ext>
+              </a:extLst>
+            </p:cNvPr>
+            <p:cNvSpPr>
+              <a:spLocks noChangeAspect="1"/>
+            </p:cNvSpPr>
+            <p:nvPr/>
+          </p:nvSpPr>
+          <p:spPr>
+            <a:xfrm>
+              <a:off x="5178879" y="5263243"/>
+              <a:ext cx="91440" cy="91440"/>
+            </a:xfrm>
+            <a:prstGeom prst="ellipse">
+              <a:avLst/>
+            </a:prstGeom>
+          </p:spPr>
+          <p:style>
+            <a:lnRef idx="1">
+              <a:schemeClr val="accent1"/>
+            </a:lnRef>
+            <a:fillRef idx="3">
+              <a:schemeClr val="accent1"/>
+            </a:fillRef>
+            <a:effectRef idx="2">
+              <a:schemeClr val="accent1"/>
+            </a:effectRef>
+            <a:fontRef idx="minor">
+              <a:schemeClr val="lt1"/>
+            </a:fontRef>
+          </p:style>
+          <p:txBody>
+            <a:bodyPr rtlCol="0" anchor="ctr"/>
+            <a:lstStyle/>
+            <a:p>
+              <a:pPr algn="ctr"/>
+              <a:endParaRPr lang="en-US"/>
+            </a:p>
+          </p:txBody>
+        </p:sp>
+      </p:grpSp>
     </p:spTree>
     <p:extLst>
       <p:ext uri="{BB962C8B-B14F-4D97-AF65-F5344CB8AC3E}">

--- a/Lecture_13-Building-Systems-From-Other-Systems/Building-Systems-From-Other-Systems.pptx
+++ b/Lecture_13-Building-Systems-From-Other-Systems/Building-Systems-From-Other-Systems.pptx
@@ -5,10 +5,10 @@
     <p:sldMasterId id="2147483648" r:id="rId1"/>
   </p:sldMasterIdLst>
   <p:notesMasterIdLst>
-    <p:notesMasterId r:id="rId14"/>
+    <p:notesMasterId r:id="rId15"/>
   </p:notesMasterIdLst>
   <p:handoutMasterIdLst>
-    <p:handoutMasterId r:id="rId15"/>
+    <p:handoutMasterId r:id="rId16"/>
   </p:handoutMasterIdLst>
   <p:sldIdLst>
     <p:sldId id="256" r:id="rId2"/>
@@ -23,6 +23,7 @@
     <p:sldId id="502" r:id="rId11"/>
     <p:sldId id="503" r:id="rId12"/>
     <p:sldId id="504" r:id="rId13"/>
+    <p:sldId id="505" r:id="rId14"/>
   </p:sldIdLst>
   <p:sldSz cx="9144000" cy="6858000" type="screen4x3"/>
   <p:notesSz cx="6858000" cy="9144000"/>
@@ -11434,7 +11435,7 @@
             </p:nvSpPr>
             <p:spPr>
               <a:xfrm>
-                <a:off x="1721211" y="4492965"/>
+                <a:off x="1503284" y="4267238"/>
                 <a:ext cx="4355038" cy="276999"/>
               </a:xfrm>
               <a:prstGeom prst="rect">
@@ -11642,7 +11643,7 @@
             </p:nvSpPr>
             <p:spPr>
               <a:xfrm>
-                <a:off x="1721211" y="4492965"/>
+                <a:off x="1503284" y="4267238"/>
                 <a:ext cx="4355038" cy="276999"/>
               </a:xfrm>
               <a:prstGeom prst="rect">
@@ -11651,7 +11652,7 @@
               <a:blipFill>
                 <a:blip r:embed="rId6"/>
                 <a:stretch>
-                  <a:fillRect l="-581" r="-1163" b="-39130"/>
+                  <a:fillRect l="-581" r="-1453" b="-40909"/>
                 </a:stretch>
               </a:blipFill>
             </p:spPr>
@@ -13252,6 +13253,327 @@
           </p:txBody>
         </p:sp>
       </p:grpSp>
+      <mc:AlternateContent xmlns:mc="http://schemas.openxmlformats.org/markup-compatibility/2006">
+        <mc:Choice xmlns:a14="http://schemas.microsoft.com/office/drawing/2010/main" Requires="a14">
+          <p:sp>
+            <p:nvSpPr>
+              <p:cNvPr id="48" name="TextBox 47">
+                <a:extLst>
+                  <a:ext uri="{FF2B5EF4-FFF2-40B4-BE49-F238E27FC236}">
+                    <a16:creationId xmlns:a16="http://schemas.microsoft.com/office/drawing/2014/main" id="{D0988113-9F64-674D-9DBE-9BC3DC724AFD}"/>
+                  </a:ext>
+                </a:extLst>
+              </p:cNvPr>
+              <p:cNvSpPr txBox="1"/>
+              <p:nvPr/>
+            </p:nvSpPr>
+            <p:spPr>
+              <a:xfrm>
+                <a:off x="1586954" y="4818562"/>
+                <a:ext cx="3653436" cy="433196"/>
+              </a:xfrm>
+              <a:prstGeom prst="rect">
+                <a:avLst/>
+              </a:prstGeom>
+              <a:noFill/>
+            </p:spPr>
+            <p:txBody>
+              <a:bodyPr wrap="none" lIns="0" tIns="0" rIns="0" bIns="0" rtlCol="0">
+                <a:spAutoFit/>
+              </a:bodyPr>
+              <a:lstStyle/>
+              <a:p>
+                <a:r>
+                  <a:rPr lang="en-US" b="0" dirty="0"/>
+                  <a:t>If </a:t>
+                </a:r>
+                <a14:m>
+                  <m:oMath xmlns:m="http://schemas.openxmlformats.org/officeDocument/2006/math">
+                    <m:r>
+                      <a:rPr lang="en-US" b="0" i="1" smtClean="0">
+                        <a:latin typeface="Cambria Math" panose="02040503050406030204" pitchFamily="18" charset="0"/>
+                      </a:rPr>
+                      <m:t>𝐻</m:t>
+                    </m:r>
+                    <m:d>
+                      <m:dPr>
+                        <m:ctrlPr>
+                          <a:rPr lang="en-US" b="0" i="1" smtClean="0">
+                            <a:latin typeface="Cambria Math" panose="02040503050406030204" pitchFamily="18" charset="0"/>
+                          </a:rPr>
+                        </m:ctrlPr>
+                      </m:dPr>
+                      <m:e>
+                        <m:r>
+                          <a:rPr lang="en-US" b="0" i="1" smtClean="0">
+                            <a:latin typeface="Cambria Math" panose="02040503050406030204" pitchFamily="18" charset="0"/>
+                          </a:rPr>
+                          <m:t>𝑠</m:t>
+                        </m:r>
+                      </m:e>
+                    </m:d>
+                    <m:r>
+                      <a:rPr lang="en-US" b="0" i="1" smtClean="0">
+                        <a:latin typeface="Cambria Math" panose="02040503050406030204" pitchFamily="18" charset="0"/>
+                      </a:rPr>
+                      <m:t>=</m:t>
+                    </m:r>
+                    <m:f>
+                      <m:fPr>
+                        <m:ctrlPr>
+                          <a:rPr lang="en-US" b="0" i="1" smtClean="0">
+                            <a:latin typeface="Cambria Math" panose="02040503050406030204" pitchFamily="18" charset="0"/>
+                          </a:rPr>
+                        </m:ctrlPr>
+                      </m:fPr>
+                      <m:num>
+                        <m:sSub>
+                          <m:sSubPr>
+                            <m:ctrlPr>
+                              <a:rPr lang="en-US" b="0" i="1" smtClean="0">
+                                <a:latin typeface="Cambria Math" panose="02040503050406030204" pitchFamily="18" charset="0"/>
+                              </a:rPr>
+                            </m:ctrlPr>
+                          </m:sSubPr>
+                          <m:e>
+                            <m:r>
+                              <a:rPr lang="en-US" b="0" i="1" smtClean="0">
+                                <a:latin typeface="Cambria Math" panose="02040503050406030204" pitchFamily="18" charset="0"/>
+                              </a:rPr>
+                              <m:t>𝑘</m:t>
+                            </m:r>
+                          </m:e>
+                          <m:sub>
+                            <m:r>
+                              <a:rPr lang="en-US" b="0" i="1" smtClean="0">
+                                <a:latin typeface="Cambria Math" panose="02040503050406030204" pitchFamily="18" charset="0"/>
+                              </a:rPr>
+                              <m:t>1</m:t>
+                            </m:r>
+                          </m:sub>
+                        </m:sSub>
+                        <m:sSub>
+                          <m:sSubPr>
+                            <m:ctrlPr>
+                              <a:rPr lang="en-US" b="0" i="1" smtClean="0">
+                                <a:latin typeface="Cambria Math" panose="02040503050406030204" pitchFamily="18" charset="0"/>
+                              </a:rPr>
+                            </m:ctrlPr>
+                          </m:sSubPr>
+                          <m:e>
+                            <m:r>
+                              <a:rPr lang="en-US" b="0" i="1" smtClean="0">
+                                <a:latin typeface="Cambria Math" panose="02040503050406030204" pitchFamily="18" charset="0"/>
+                              </a:rPr>
+                              <m:t>𝑘</m:t>
+                            </m:r>
+                          </m:e>
+                          <m:sub>
+                            <m:r>
+                              <a:rPr lang="en-US" b="0" i="1" smtClean="0">
+                                <a:latin typeface="Cambria Math" panose="02040503050406030204" pitchFamily="18" charset="0"/>
+                              </a:rPr>
+                              <m:t>𝑐</m:t>
+                            </m:r>
+                          </m:sub>
+                        </m:sSub>
+                      </m:num>
+                      <m:den>
+                        <m:sSup>
+                          <m:sSupPr>
+                            <m:ctrlPr>
+                              <a:rPr lang="en-US" b="0" i="1" smtClean="0">
+                                <a:latin typeface="Cambria Math" panose="02040503050406030204" pitchFamily="18" charset="0"/>
+                              </a:rPr>
+                            </m:ctrlPr>
+                          </m:sSupPr>
+                          <m:e>
+                            <m:r>
+                              <a:rPr lang="en-US" b="0" i="1" smtClean="0">
+                                <a:latin typeface="Cambria Math" panose="02040503050406030204" pitchFamily="18" charset="0"/>
+                              </a:rPr>
+                              <m:t>𝑠</m:t>
+                            </m:r>
+                          </m:e>
+                          <m:sup>
+                            <m:r>
+                              <a:rPr lang="en-US" b="0" i="1" smtClean="0">
+                                <a:latin typeface="Cambria Math" panose="02040503050406030204" pitchFamily="18" charset="0"/>
+                              </a:rPr>
+                              <m:t>2</m:t>
+                            </m:r>
+                          </m:sup>
+                        </m:sSup>
+                        <m:r>
+                          <a:rPr lang="en-US" b="0" i="1" smtClean="0">
+                            <a:latin typeface="Cambria Math" panose="02040503050406030204" pitchFamily="18" charset="0"/>
+                          </a:rPr>
+                          <m:t>+</m:t>
+                        </m:r>
+                        <m:sSub>
+                          <m:sSubPr>
+                            <m:ctrlPr>
+                              <a:rPr lang="en-US" b="0" i="1" smtClean="0">
+                                <a:latin typeface="Cambria Math" panose="02040503050406030204" pitchFamily="18" charset="0"/>
+                              </a:rPr>
+                            </m:ctrlPr>
+                          </m:sSubPr>
+                          <m:e>
+                            <m:r>
+                              <a:rPr lang="en-US" b="0" i="1" smtClean="0">
+                                <a:latin typeface="Cambria Math" panose="02040503050406030204" pitchFamily="18" charset="0"/>
+                              </a:rPr>
+                              <m:t>𝑘</m:t>
+                            </m:r>
+                          </m:e>
+                          <m:sub>
+                            <m:r>
+                              <a:rPr lang="en-US" b="0" i="1" smtClean="0">
+                                <a:latin typeface="Cambria Math" panose="02040503050406030204" pitchFamily="18" charset="0"/>
+                              </a:rPr>
+                              <m:t>2</m:t>
+                            </m:r>
+                          </m:sub>
+                        </m:sSub>
+                        <m:r>
+                          <a:rPr lang="en-US" b="0" i="1" smtClean="0">
+                            <a:latin typeface="Cambria Math" panose="02040503050406030204" pitchFamily="18" charset="0"/>
+                          </a:rPr>
+                          <m:t>𝑠</m:t>
+                        </m:r>
+                        <m:r>
+                          <a:rPr lang="en-US" b="0" i="1" smtClean="0">
+                            <a:latin typeface="Cambria Math" panose="02040503050406030204" pitchFamily="18" charset="0"/>
+                          </a:rPr>
+                          <m:t>+</m:t>
+                        </m:r>
+                        <m:sSub>
+                          <m:sSubPr>
+                            <m:ctrlPr>
+                              <a:rPr lang="en-US" b="0" i="1" smtClean="0">
+                                <a:latin typeface="Cambria Math" panose="02040503050406030204" pitchFamily="18" charset="0"/>
+                              </a:rPr>
+                            </m:ctrlPr>
+                          </m:sSubPr>
+                          <m:e>
+                            <m:r>
+                              <a:rPr lang="en-US" b="0" i="1" smtClean="0">
+                                <a:latin typeface="Cambria Math" panose="02040503050406030204" pitchFamily="18" charset="0"/>
+                              </a:rPr>
+                              <m:t>𝑘</m:t>
+                            </m:r>
+                          </m:e>
+                          <m:sub>
+                            <m:r>
+                              <a:rPr lang="en-US" b="0" i="1" smtClean="0">
+                                <a:latin typeface="Cambria Math" panose="02040503050406030204" pitchFamily="18" charset="0"/>
+                              </a:rPr>
+                              <m:t>1</m:t>
+                            </m:r>
+                          </m:sub>
+                        </m:sSub>
+                        <m:sSub>
+                          <m:sSubPr>
+                            <m:ctrlPr>
+                              <a:rPr lang="en-US" b="0" i="1" smtClean="0">
+                                <a:latin typeface="Cambria Math" panose="02040503050406030204" pitchFamily="18" charset="0"/>
+                              </a:rPr>
+                            </m:ctrlPr>
+                          </m:sSubPr>
+                          <m:e>
+                            <m:r>
+                              <a:rPr lang="en-US" b="0" i="1" smtClean="0">
+                                <a:latin typeface="Cambria Math" panose="02040503050406030204" pitchFamily="18" charset="0"/>
+                              </a:rPr>
+                              <m:t>𝑘</m:t>
+                            </m:r>
+                          </m:e>
+                          <m:sub>
+                            <m:r>
+                              <a:rPr lang="en-US" b="0" i="1" smtClean="0">
+                                <a:latin typeface="Cambria Math" panose="02040503050406030204" pitchFamily="18" charset="0"/>
+                              </a:rPr>
+                              <m:t>𝑐</m:t>
+                            </m:r>
+                          </m:sub>
+                        </m:sSub>
+                      </m:den>
+                    </m:f>
+                  </m:oMath>
+                </a14:m>
+                <a:r>
+                  <a:rPr lang="en-US" dirty="0"/>
+                  <a:t>, what is </a:t>
+                </a:r>
+                <a14:m>
+                  <m:oMath xmlns:m="http://schemas.openxmlformats.org/officeDocument/2006/math">
+                    <m:r>
+                      <a:rPr lang="en-US" b="0" i="1" smtClean="0">
+                        <a:latin typeface="Cambria Math" panose="02040503050406030204" pitchFamily="18" charset="0"/>
+                      </a:rPr>
+                      <m:t>𝑒</m:t>
+                    </m:r>
+                    <m:r>
+                      <a:rPr lang="en-US" b="0" i="1" smtClean="0">
+                        <a:latin typeface="Cambria Math" panose="02040503050406030204" pitchFamily="18" charset="0"/>
+                      </a:rPr>
+                      <m:t>(∞)</m:t>
+                    </m:r>
+                  </m:oMath>
+                </a14:m>
+                <a:r>
+                  <a:rPr lang="en-US" dirty="0"/>
+                  <a:t>? </a:t>
+                </a:r>
+              </a:p>
+            </p:txBody>
+          </p:sp>
+        </mc:Choice>
+        <mc:Fallback>
+          <p:sp>
+            <p:nvSpPr>
+              <p:cNvPr id="48" name="TextBox 47">
+                <a:extLst>
+                  <a:ext uri="{FF2B5EF4-FFF2-40B4-BE49-F238E27FC236}">
+                    <a16:creationId xmlns:a16="http://schemas.microsoft.com/office/drawing/2014/main" id="{D0988113-9F64-674D-9DBE-9BC3DC724AFD}"/>
+                  </a:ext>
+                </a:extLst>
+              </p:cNvPr>
+              <p:cNvSpPr txBox="1">
+                <a:spLocks noRot="1" noChangeAspect="1" noMove="1" noResize="1" noEditPoints="1" noAdjustHandles="1" noChangeArrowheads="1" noChangeShapeType="1" noTextEdit="1"/>
+              </p:cNvSpPr>
+              <p:nvPr/>
+            </p:nvSpPr>
+            <p:spPr>
+              <a:xfrm>
+                <a:off x="1586954" y="4818562"/>
+                <a:ext cx="3653436" cy="433196"/>
+              </a:xfrm>
+              <a:prstGeom prst="rect">
+                <a:avLst/>
+              </a:prstGeom>
+              <a:blipFill>
+                <a:blip r:embed="rId14"/>
+                <a:stretch>
+                  <a:fillRect l="-3806" t="-5714" r="-2768" b="-8571"/>
+                </a:stretch>
+              </a:blipFill>
+            </p:spPr>
+            <p:txBody>
+              <a:bodyPr/>
+              <a:lstStyle/>
+              <a:p>
+                <a:r>
+                  <a:rPr lang="en-US">
+                    <a:noFill/>
+                  </a:rPr>
+                  <a:t> </a:t>
+                </a:r>
+              </a:p>
+            </p:txBody>
+          </p:sp>
+        </mc:Fallback>
+      </mc:AlternateContent>
     </p:spTree>
     <p:extLst>
       <p:ext uri="{BB962C8B-B14F-4D97-AF65-F5344CB8AC3E}">
@@ -13343,6 +13665,99 @@
 </p:sld>
 </file>
 
+<file path=ppt/slides/slide13.xml><?xml version="1.0" encoding="utf-8"?>
+<p:sld xmlns:a="http://schemas.openxmlformats.org/drawingml/2006/main" xmlns:r="http://schemas.openxmlformats.org/officeDocument/2006/relationships" xmlns:p="http://schemas.openxmlformats.org/presentationml/2006/main">
+  <p:cSld>
+    <p:spTree>
+      <p:nvGrpSpPr>
+        <p:cNvPr id="1" name=""/>
+        <p:cNvGrpSpPr/>
+        <p:nvPr/>
+      </p:nvGrpSpPr>
+      <p:grpSpPr>
+        <a:xfrm>
+          <a:off x="0" y="0"/>
+          <a:ext cx="0" cy="0"/>
+          <a:chOff x="0" y="0"/>
+          <a:chExt cx="0" cy="0"/>
+        </a:xfrm>
+      </p:grpSpPr>
+      <p:sp>
+        <p:nvSpPr>
+          <p:cNvPr id="2" name="Title 1">
+            <a:extLst>
+              <a:ext uri="{FF2B5EF4-FFF2-40B4-BE49-F238E27FC236}">
+                <a16:creationId xmlns:a16="http://schemas.microsoft.com/office/drawing/2014/main" id="{54CE5A38-9E34-9043-B247-9F98F3C5C941}"/>
+              </a:ext>
+            </a:extLst>
+          </p:cNvPr>
+          <p:cNvSpPr>
+            <a:spLocks noGrp="1"/>
+          </p:cNvSpPr>
+          <p:nvPr>
+            <p:ph type="title"/>
+          </p:nvPr>
+        </p:nvSpPr>
+        <p:spPr/>
+        <p:txBody>
+          <a:bodyPr/>
+          <a:lstStyle/>
+          <a:p>
+            <a:r>
+              <a:rPr lang="en-US" dirty="0"/>
+              <a:t>Noise</a:t>
+            </a:r>
+          </a:p>
+        </p:txBody>
+      </p:sp>
+      <p:sp>
+        <p:nvSpPr>
+          <p:cNvPr id="3" name="Slide Number Placeholder 2">
+            <a:extLst>
+              <a:ext uri="{FF2B5EF4-FFF2-40B4-BE49-F238E27FC236}">
+                <a16:creationId xmlns:a16="http://schemas.microsoft.com/office/drawing/2014/main" id="{6FEC8070-9502-2D4B-8ED9-2D2B9AAC0AE1}"/>
+              </a:ext>
+            </a:extLst>
+          </p:cNvPr>
+          <p:cNvSpPr>
+            <a:spLocks noGrp="1"/>
+          </p:cNvSpPr>
+          <p:nvPr>
+            <p:ph type="sldNum" sz="quarter" idx="11"/>
+          </p:nvPr>
+        </p:nvSpPr>
+        <p:spPr/>
+        <p:txBody>
+          <a:bodyPr/>
+          <a:lstStyle/>
+          <a:p>
+            <a:pPr>
+              <a:defRPr/>
+            </a:pPr>
+            <a:fld id="{2E4304A7-0FB2-4094-BC1E-DB17183AD0C1}" type="slidenum">
+              <a:rPr lang="en-US" altLang="x-none" smtClean="0"/>
+              <a:pPr>
+                <a:defRPr/>
+              </a:pPr>
+              <a:t>13</a:t>
+            </a:fld>
+            <a:endParaRPr lang="en-US" altLang="x-none"/>
+          </a:p>
+        </p:txBody>
+      </p:sp>
+    </p:spTree>
+    <p:extLst>
+      <p:ext uri="{BB962C8B-B14F-4D97-AF65-F5344CB8AC3E}">
+        <p14:creationId xmlns:p14="http://schemas.microsoft.com/office/powerpoint/2010/main" val="1228838760"/>
+      </p:ext>
+    </p:extLst>
+  </p:cSld>
+  <p:clrMapOvr>
+    <a:masterClrMapping/>
+  </p:clrMapOvr>
+</p:sld>
+</file>
+
 <file path=ppt/slides/slide2.xml><?xml version="1.0" encoding="utf-8"?>
 <p:sld xmlns:a="http://schemas.openxmlformats.org/drawingml/2006/main" xmlns:r="http://schemas.openxmlformats.org/officeDocument/2006/relationships" xmlns:p="http://schemas.openxmlformats.org/presentationml/2006/main">
   <p:cSld>
@@ -13417,13 +13832,18 @@
           <a:p>
             <a:r>
               <a:rPr lang="en-US" dirty="0"/>
-              <a:t>Properties of Laplace Transforms</a:t>
+              <a:t>Properties of </a:t>
             </a:r>
+            <a:r>
+              <a:rPr lang="en-US"/>
+              <a:t>Laplace transforms</a:t>
+            </a:r>
+            <a:endParaRPr lang="en-US" dirty="0"/>
           </a:p>
           <a:p>
             <a:r>
               <a:rPr lang="en-US" dirty="0"/>
-              <a:t>Applying Laplace Transforms</a:t>
+              <a:t>Building more complex systems</a:t>
             </a:r>
           </a:p>
         </p:txBody>
